--- a/consumption_production_2016.pptx
+++ b/consumption_production_2016.pptx
@@ -1,6 +1,6 @@
 
 <file path=ppt/presentation.xml><?xml version="1.0" encoding="utf-8"?>
-<p:presentation xmlns:a="http://schemas.openxmlformats.org/drawingml/2006/main" xmlns:r="http://schemas.openxmlformats.org/officeDocument/2006/relationships" xmlns:p="http://schemas.openxmlformats.org/presentationml/2006/main" saveSubsetFonts="1">
+<p:presentation xmlns:a="http://schemas.openxmlformats.org/drawingml/2006/main" xmlns:r="http://schemas.openxmlformats.org/officeDocument/2006/relationships" xmlns:p="http://schemas.openxmlformats.org/presentationml/2006/main" saveSubsetFonts="1" autoCompressPictures="0">
   <p:sldMasterIdLst>
     <p:sldMasterId id="2147483684" r:id="rId1"/>
   </p:sldMasterIdLst>
@@ -104,13 +104,18 @@
       </a:defRPr>
     </a:lvl9pPr>
   </p:defaultTextStyle>
+  <p:extLst>
+    <p:ext uri="{EFAFB233-063F-42B5-8137-9DF3F51BA10A}">
+      <p15:sldGuideLst xmlns:p15="http://schemas.microsoft.com/office/powerpoint/2012/main"/>
+    </p:ext>
+  </p:extLst>
 </p:presentation>
 </file>
 
 <file path=ppt/revisionInfo.xml><?xml version="1.0" encoding="utf-8"?>
 <p1510:revInfo xmlns:a="http://schemas.openxmlformats.org/drawingml/2006/main" xmlns:r="http://schemas.openxmlformats.org/officeDocument/2006/relationships" xmlns:p1510="http://schemas.microsoft.com/office/powerpoint/2015/10/main">
   <p1510:revLst>
-    <p1510:client id="{5A130347-CC42-49D2-8417-ED4FEE9D3E24}" v="7" dt="2018-10-24T22:16:29.212"/>
+    <p1510:client id="{5A130347-CC42-49D2-8417-ED4FEE9D3E24}" v="12" dt="2018-10-24T22:40:01.507"/>
   </p1510:revLst>
 </p1510:revInfo>
 </file>
@@ -120,58 +125,58 @@
   <pc:docChgLst>
     <pc:chgData name="Bence Kiss-Dobronyi" userId="115a7707-7158-443d-81e6-1600ef413af9" providerId="ADAL" clId="{5A130347-CC42-49D2-8417-ED4FEE9D3E24}"/>
     <pc:docChg chg="undo custSel modSld">
-      <pc:chgData name="Bence Kiss-Dobronyi" userId="115a7707-7158-443d-81e6-1600ef413af9" providerId="ADAL" clId="{5A130347-CC42-49D2-8417-ED4FEE9D3E24}" dt="2018-10-24T22:17:16.901" v="89" actId="14100"/>
+      <pc:chgData name="Bence Kiss-Dobronyi" userId="115a7707-7158-443d-81e6-1600ef413af9" providerId="ADAL" clId="{5A130347-CC42-49D2-8417-ED4FEE9D3E24}" dt="2018-10-24T22:40:01.507" v="95" actId="13244"/>
       <pc:docMkLst>
         <pc:docMk/>
       </pc:docMkLst>
       <pc:sldChg chg="addSp delSp modSp">
-        <pc:chgData name="Bence Kiss-Dobronyi" userId="115a7707-7158-443d-81e6-1600ef413af9" providerId="ADAL" clId="{5A130347-CC42-49D2-8417-ED4FEE9D3E24}" dt="2018-10-24T22:17:16.901" v="89" actId="14100"/>
+        <pc:chgData name="Bence Kiss-Dobronyi" userId="115a7707-7158-443d-81e6-1600ef413af9" providerId="ADAL" clId="{5A130347-CC42-49D2-8417-ED4FEE9D3E24}" dt="2018-10-24T22:40:01.507" v="95" actId="13244"/>
         <pc:sldMkLst>
           <pc:docMk/>
           <pc:sldMk cId="3479386836" sldId="256"/>
         </pc:sldMkLst>
-        <pc:spChg chg="mod">
-          <ac:chgData name="Bence Kiss-Dobronyi" userId="115a7707-7158-443d-81e6-1600ef413af9" providerId="ADAL" clId="{5A130347-CC42-49D2-8417-ED4FEE9D3E24}" dt="2018-10-24T22:15:01.706" v="57" actId="1076"/>
+        <pc:spChg chg="mod topLvl">
+          <ac:chgData name="Bence Kiss-Dobronyi" userId="115a7707-7158-443d-81e6-1600ef413af9" providerId="ADAL" clId="{5A130347-CC42-49D2-8417-ED4FEE9D3E24}" dt="2018-10-24T22:31:19.359" v="92" actId="164"/>
           <ac:spMkLst>
             <pc:docMk/>
             <pc:sldMk cId="3479386836" sldId="256"/>
             <ac:spMk id="10" creationId="{39D3D655-C123-41AF-A011-907BBDBCA50B}"/>
           </ac:spMkLst>
         </pc:spChg>
-        <pc:spChg chg="mod">
-          <ac:chgData name="Bence Kiss-Dobronyi" userId="115a7707-7158-443d-81e6-1600ef413af9" providerId="ADAL" clId="{5A130347-CC42-49D2-8417-ED4FEE9D3E24}" dt="2018-10-24T22:16:11.539" v="76" actId="120"/>
+        <pc:spChg chg="mod topLvl">
+          <ac:chgData name="Bence Kiss-Dobronyi" userId="115a7707-7158-443d-81e6-1600ef413af9" providerId="ADAL" clId="{5A130347-CC42-49D2-8417-ED4FEE9D3E24}" dt="2018-10-24T22:31:19.359" v="92" actId="164"/>
           <ac:spMkLst>
             <pc:docMk/>
             <pc:sldMk cId="3479386836" sldId="256"/>
             <ac:spMk id="15" creationId="{532EB2A6-9034-47FE-B68F-24F4E45CAF1B}"/>
           </ac:spMkLst>
         </pc:spChg>
-        <pc:spChg chg="mod">
-          <ac:chgData name="Bence Kiss-Dobronyi" userId="115a7707-7158-443d-81e6-1600ef413af9" providerId="ADAL" clId="{5A130347-CC42-49D2-8417-ED4FEE9D3E24}" dt="2018-10-24T22:15:09.671" v="58" actId="1076"/>
+        <pc:spChg chg="mod topLvl">
+          <ac:chgData name="Bence Kiss-Dobronyi" userId="115a7707-7158-443d-81e6-1600ef413af9" providerId="ADAL" clId="{5A130347-CC42-49D2-8417-ED4FEE9D3E24}" dt="2018-10-24T22:31:19.359" v="92" actId="164"/>
           <ac:spMkLst>
             <pc:docMk/>
             <pc:sldMk cId="3479386836" sldId="256"/>
             <ac:spMk id="18" creationId="{6CC30233-7D45-4A18-AAC8-46295E8CAA91}"/>
           </ac:spMkLst>
         </pc:spChg>
-        <pc:spChg chg="mod">
-          <ac:chgData name="Bence Kiss-Dobronyi" userId="115a7707-7158-443d-81e6-1600ef413af9" providerId="ADAL" clId="{5A130347-CC42-49D2-8417-ED4FEE9D3E24}" dt="2018-10-24T22:17:02.820" v="85" actId="1076"/>
+        <pc:spChg chg="mod topLvl">
+          <ac:chgData name="Bence Kiss-Dobronyi" userId="115a7707-7158-443d-81e6-1600ef413af9" providerId="ADAL" clId="{5A130347-CC42-49D2-8417-ED4FEE9D3E24}" dt="2018-10-24T22:31:19.359" v="92" actId="164"/>
           <ac:spMkLst>
             <pc:docMk/>
             <pc:sldMk cId="3479386836" sldId="256"/>
             <ac:spMk id="24" creationId="{FB4CE73E-19F0-4700-950E-046EC420B28E}"/>
           </ac:spMkLst>
         </pc:spChg>
-        <pc:spChg chg="mod">
-          <ac:chgData name="Bence Kiss-Dobronyi" userId="115a7707-7158-443d-81e6-1600ef413af9" providerId="ADAL" clId="{5A130347-CC42-49D2-8417-ED4FEE9D3E24}" dt="2018-10-24T22:16:29.211" v="79"/>
+        <pc:spChg chg="mod topLvl">
+          <ac:chgData name="Bence Kiss-Dobronyi" userId="115a7707-7158-443d-81e6-1600ef413af9" providerId="ADAL" clId="{5A130347-CC42-49D2-8417-ED4FEE9D3E24}" dt="2018-10-24T22:31:19.359" v="92" actId="164"/>
           <ac:spMkLst>
             <pc:docMk/>
             <pc:sldMk cId="3479386836" sldId="256"/>
             <ac:spMk id="37" creationId="{70F074F9-6AED-4D29-AED0-53693AF75CB1}"/>
           </ac:spMkLst>
         </pc:spChg>
-        <pc:spChg chg="mod">
-          <ac:chgData name="Bence Kiss-Dobronyi" userId="115a7707-7158-443d-81e6-1600ef413af9" providerId="ADAL" clId="{5A130347-CC42-49D2-8417-ED4FEE9D3E24}" dt="2018-10-24T22:09:12.343" v="27" actId="404"/>
+        <pc:spChg chg="mod topLvl">
+          <ac:chgData name="Bence Kiss-Dobronyi" userId="115a7707-7158-443d-81e6-1600ef413af9" providerId="ADAL" clId="{5A130347-CC42-49D2-8417-ED4FEE9D3E24}" dt="2018-10-24T22:31:19.359" v="92" actId="164"/>
           <ac:spMkLst>
             <pc:docMk/>
             <pc:sldMk cId="3479386836" sldId="256"/>
@@ -186,14 +191,38 @@
             <ac:spMk id="58" creationId="{AF1BCD15-FF68-40A4-97FF-60598FCFDCF4}"/>
           </ac:spMkLst>
         </pc:spChg>
-        <pc:grpChg chg="mod">
-          <ac:chgData name="Bence Kiss-Dobronyi" userId="115a7707-7158-443d-81e6-1600ef413af9" providerId="ADAL" clId="{5A130347-CC42-49D2-8417-ED4FEE9D3E24}" dt="2018-10-24T22:16:29.211" v="79"/>
+        <pc:grpChg chg="add mod">
+          <ac:chgData name="Bence Kiss-Dobronyi" userId="115a7707-7158-443d-81e6-1600ef413af9" providerId="ADAL" clId="{5A130347-CC42-49D2-8417-ED4FEE9D3E24}" dt="2018-10-24T22:31:19.359" v="92" actId="164"/>
+          <ac:grpSpMkLst>
+            <pc:docMk/>
+            <pc:sldMk cId="3479386836" sldId="256"/>
+            <ac:grpSpMk id="2" creationId="{24C992EE-29D6-4FE1-A3FA-4FFB8CFFB5C1}"/>
+          </ac:grpSpMkLst>
+        </pc:grpChg>
+        <pc:grpChg chg="del mod topLvl">
+          <ac:chgData name="Bence Kiss-Dobronyi" userId="115a7707-7158-443d-81e6-1600ef413af9" providerId="ADAL" clId="{5A130347-CC42-49D2-8417-ED4FEE9D3E24}" dt="2018-10-24T22:31:10.359" v="91" actId="165"/>
+          <ac:grpSpMkLst>
+            <pc:docMk/>
+            <pc:sldMk cId="3479386836" sldId="256"/>
+            <ac:grpSpMk id="19" creationId="{27223F94-AD2F-4459-8835-F2DE51A411E1}"/>
+          </ac:grpSpMkLst>
+        </pc:grpChg>
+        <pc:grpChg chg="del mod">
+          <ac:chgData name="Bence Kiss-Dobronyi" userId="115a7707-7158-443d-81e6-1600ef413af9" providerId="ADAL" clId="{5A130347-CC42-49D2-8417-ED4FEE9D3E24}" dt="2018-10-24T22:31:04.950" v="90" actId="165"/>
           <ac:grpSpMkLst>
             <pc:docMk/>
             <pc:sldMk cId="3479386836" sldId="256"/>
             <ac:grpSpMk id="53" creationId="{DD3D60E5-265F-4787-ADE6-082997AD4790}"/>
           </ac:grpSpMkLst>
         </pc:grpChg>
+        <pc:picChg chg="add mod">
+          <ac:chgData name="Bence Kiss-Dobronyi" userId="115a7707-7158-443d-81e6-1600ef413af9" providerId="ADAL" clId="{5A130347-CC42-49D2-8417-ED4FEE9D3E24}" dt="2018-10-24T22:40:01.507" v="95" actId="13244"/>
+          <ac:picMkLst>
+            <pc:docMk/>
+            <pc:sldMk cId="3479386836" sldId="256"/>
+            <ac:picMk id="4" creationId="{C15B6224-85AA-48AA-B9AD-7EC4BB5D0638}"/>
+          </ac:picMkLst>
+        </pc:picChg>
         <pc:picChg chg="del mod">
           <ac:chgData name="Bence Kiss-Dobronyi" userId="115a7707-7158-443d-81e6-1600ef413af9" providerId="ADAL" clId="{5A130347-CC42-49D2-8417-ED4FEE9D3E24}" dt="2018-10-24T22:11:15.044" v="36" actId="478"/>
           <ac:picMkLst>
@@ -210,8 +239,8 @@
             <ac:picMk id="9" creationId="{C24645D8-EE31-48EC-A557-1EBA2CEF4AD5}"/>
           </ac:picMkLst>
         </pc:picChg>
-        <pc:picChg chg="add mod ord">
-          <ac:chgData name="Bence Kiss-Dobronyi" userId="115a7707-7158-443d-81e6-1600ef413af9" providerId="ADAL" clId="{5A130347-CC42-49D2-8417-ED4FEE9D3E24}" dt="2018-10-24T22:11:30.042" v="40" actId="1076"/>
+        <pc:picChg chg="add del mod ord">
+          <ac:chgData name="Bence Kiss-Dobronyi" userId="115a7707-7158-443d-81e6-1600ef413af9" providerId="ADAL" clId="{5A130347-CC42-49D2-8417-ED4FEE9D3E24}" dt="2018-10-24T22:39:59.548" v="94" actId="478"/>
           <ac:picMkLst>
             <pc:docMk/>
             <pc:sldMk cId="3479386836" sldId="256"/>
@@ -219,23 +248,23 @@
           </ac:picMkLst>
         </pc:picChg>
         <pc:picChg chg="add mod ord modCrop">
-          <ac:chgData name="Bence Kiss-Dobronyi" userId="115a7707-7158-443d-81e6-1600ef413af9" providerId="ADAL" clId="{5A130347-CC42-49D2-8417-ED4FEE9D3E24}" dt="2018-10-24T22:16:54.660" v="84" actId="732"/>
+          <ac:chgData name="Bence Kiss-Dobronyi" userId="115a7707-7158-443d-81e6-1600ef413af9" providerId="ADAL" clId="{5A130347-CC42-49D2-8417-ED4FEE9D3E24}" dt="2018-10-24T22:31:19.359" v="92" actId="164"/>
           <ac:picMkLst>
             <pc:docMk/>
             <pc:sldMk cId="3479386836" sldId="256"/>
             <ac:picMk id="57" creationId="{D5781B36-9FDA-460D-A5AF-1C576CC4FD77}"/>
           </ac:picMkLst>
         </pc:picChg>
-        <pc:cxnChg chg="mod">
-          <ac:chgData name="Bence Kiss-Dobronyi" userId="115a7707-7158-443d-81e6-1600ef413af9" providerId="ADAL" clId="{5A130347-CC42-49D2-8417-ED4FEE9D3E24}" dt="2018-10-24T22:17:16.901" v="89" actId="14100"/>
+        <pc:cxnChg chg="mod topLvl">
+          <ac:chgData name="Bence Kiss-Dobronyi" userId="115a7707-7158-443d-81e6-1600ef413af9" providerId="ADAL" clId="{5A130347-CC42-49D2-8417-ED4FEE9D3E24}" dt="2018-10-24T22:31:19.359" v="92" actId="164"/>
           <ac:cxnSpMkLst>
             <pc:docMk/>
             <pc:sldMk cId="3479386836" sldId="256"/>
             <ac:cxnSpMk id="13" creationId="{EB408A7B-025B-419B-8F91-9107A6DA56E6}"/>
           </ac:cxnSpMkLst>
         </pc:cxnChg>
-        <pc:cxnChg chg="mod">
-          <ac:chgData name="Bence Kiss-Dobronyi" userId="115a7707-7158-443d-81e6-1600ef413af9" providerId="ADAL" clId="{5A130347-CC42-49D2-8417-ED4FEE9D3E24}" dt="2018-10-24T22:11:47.817" v="46" actId="1036"/>
+        <pc:cxnChg chg="mod topLvl">
+          <ac:chgData name="Bence Kiss-Dobronyi" userId="115a7707-7158-443d-81e6-1600ef413af9" providerId="ADAL" clId="{5A130347-CC42-49D2-8417-ED4FEE9D3E24}" dt="2018-10-24T22:31:19.359" v="92" actId="164"/>
           <ac:cxnSpMkLst>
             <pc:docMk/>
             <pc:sldMk cId="3479386836" sldId="256"/>
@@ -379,7 +408,7 @@
           <a:p>
             <a:fld id="{22BD8E25-2151-4A47-A080-CD9294397AC5}" type="datetimeFigureOut">
               <a:rPr lang="en-GB" smtClean="0"/>
-              <a:t>24/10/2018</a:t>
+              <a:t>25/10/2018</a:t>
             </a:fld>
             <a:endParaRPr lang="en-GB"/>
           </a:p>
@@ -549,7 +578,7 @@
           <a:p>
             <a:fld id="{22BD8E25-2151-4A47-A080-CD9294397AC5}" type="datetimeFigureOut">
               <a:rPr lang="en-GB" smtClean="0"/>
-              <a:t>24/10/2018</a:t>
+              <a:t>25/10/2018</a:t>
             </a:fld>
             <a:endParaRPr lang="en-GB"/>
           </a:p>
@@ -729,7 +758,7 @@
           <a:p>
             <a:fld id="{22BD8E25-2151-4A47-A080-CD9294397AC5}" type="datetimeFigureOut">
               <a:rPr lang="en-GB" smtClean="0"/>
-              <a:t>24/10/2018</a:t>
+              <a:t>25/10/2018</a:t>
             </a:fld>
             <a:endParaRPr lang="en-GB"/>
           </a:p>
@@ -899,7 +928,7 @@
           <a:p>
             <a:fld id="{22BD8E25-2151-4A47-A080-CD9294397AC5}" type="datetimeFigureOut">
               <a:rPr lang="en-GB" smtClean="0"/>
-              <a:t>24/10/2018</a:t>
+              <a:t>25/10/2018</a:t>
             </a:fld>
             <a:endParaRPr lang="en-GB"/>
           </a:p>
@@ -1143,7 +1172,7 @@
           <a:p>
             <a:fld id="{22BD8E25-2151-4A47-A080-CD9294397AC5}" type="datetimeFigureOut">
               <a:rPr lang="en-GB" smtClean="0"/>
-              <a:t>24/10/2018</a:t>
+              <a:t>25/10/2018</a:t>
             </a:fld>
             <a:endParaRPr lang="en-GB"/>
           </a:p>
@@ -1375,7 +1404,7 @@
           <a:p>
             <a:fld id="{22BD8E25-2151-4A47-A080-CD9294397AC5}" type="datetimeFigureOut">
               <a:rPr lang="en-GB" smtClean="0"/>
-              <a:t>24/10/2018</a:t>
+              <a:t>25/10/2018</a:t>
             </a:fld>
             <a:endParaRPr lang="en-GB"/>
           </a:p>
@@ -1742,7 +1771,7 @@
           <a:p>
             <a:fld id="{22BD8E25-2151-4A47-A080-CD9294397AC5}" type="datetimeFigureOut">
               <a:rPr lang="en-GB" smtClean="0"/>
-              <a:t>24/10/2018</a:t>
+              <a:t>25/10/2018</a:t>
             </a:fld>
             <a:endParaRPr lang="en-GB"/>
           </a:p>
@@ -1860,7 +1889,7 @@
           <a:p>
             <a:fld id="{22BD8E25-2151-4A47-A080-CD9294397AC5}" type="datetimeFigureOut">
               <a:rPr lang="en-GB" smtClean="0"/>
-              <a:t>24/10/2018</a:t>
+              <a:t>25/10/2018</a:t>
             </a:fld>
             <a:endParaRPr lang="en-GB"/>
           </a:p>
@@ -1955,7 +1984,7 @@
           <a:p>
             <a:fld id="{22BD8E25-2151-4A47-A080-CD9294397AC5}" type="datetimeFigureOut">
               <a:rPr lang="en-GB" smtClean="0"/>
-              <a:t>24/10/2018</a:t>
+              <a:t>25/10/2018</a:t>
             </a:fld>
             <a:endParaRPr lang="en-GB"/>
           </a:p>
@@ -2232,7 +2261,7 @@
           <a:p>
             <a:fld id="{22BD8E25-2151-4A47-A080-CD9294397AC5}" type="datetimeFigureOut">
               <a:rPr lang="en-GB" smtClean="0"/>
-              <a:t>24/10/2018</a:t>
+              <a:t>25/10/2018</a:t>
             </a:fld>
             <a:endParaRPr lang="en-GB"/>
           </a:p>
@@ -2489,7 +2518,7 @@
           <a:p>
             <a:fld id="{22BD8E25-2151-4A47-A080-CD9294397AC5}" type="datetimeFigureOut">
               <a:rPr lang="en-GB" smtClean="0"/>
-              <a:t>24/10/2018</a:t>
+              <a:t>25/10/2018</a:t>
             </a:fld>
             <a:endParaRPr lang="en-GB"/>
           </a:p>
@@ -2702,7 +2731,7 @@
           <a:p>
             <a:fld id="{22BD8E25-2151-4A47-A080-CD9294397AC5}" type="datetimeFigureOut">
               <a:rPr lang="en-GB" smtClean="0"/>
-              <a:t>24/10/2018</a:t>
+              <a:t>25/10/2018</a:t>
             </a:fld>
             <a:endParaRPr lang="en-GB"/>
           </a:p>
@@ -3109,10 +3138,10 @@
       </p:grpSpPr>
       <p:pic>
         <p:nvPicPr>
-          <p:cNvPr id="55" name="Picture 54">
+          <p:cNvPr id="4" name="Picture 3">
             <a:extLst>
               <a:ext uri="{FF2B5EF4-FFF2-40B4-BE49-F238E27FC236}">
-                <a16:creationId xmlns:a16="http://schemas.microsoft.com/office/drawing/2014/main" id="{5C2315DB-9981-491F-857E-1E3B8F357CFB}"/>
+                <a16:creationId xmlns:a16="http://schemas.microsoft.com/office/drawing/2014/main" id="{C15B6224-85AA-48AA-B9AD-7EC4BB5D0638}"/>
               </a:ext>
             </a:extLst>
           </p:cNvPr>
@@ -3122,50 +3151,15 @@
           <p:nvPr/>
         </p:nvPicPr>
         <p:blipFill>
-          <a:blip r:embed="rId2">
-            <a:extLst>
-              <a:ext uri="{28A0092B-C50C-407E-A947-70E740481C1C}">
-                <a14:useLocalDpi xmlns:a14="http://schemas.microsoft.com/office/drawing/2010/main" val="0"/>
-              </a:ext>
-            </a:extLst>
-          </a:blip>
+          <a:blip r:embed="rId2"/>
           <a:stretch>
             <a:fillRect/>
           </a:stretch>
         </p:blipFill>
         <p:spPr>
           <a:xfrm>
-            <a:off x="158310" y="0"/>
-            <a:ext cx="14241638" cy="21362458"/>
-          </a:xfrm>
-          <a:prstGeom prst="rect">
-            <a:avLst/>
-          </a:prstGeom>
-        </p:spPr>
-      </p:pic>
-      <p:pic>
-        <p:nvPicPr>
-          <p:cNvPr id="57" name="Picture 56">
-            <a:extLst>
-              <a:ext uri="{FF2B5EF4-FFF2-40B4-BE49-F238E27FC236}">
-                <a16:creationId xmlns:a16="http://schemas.microsoft.com/office/drawing/2014/main" id="{D5781B36-9FDA-460D-A5AF-1C576CC4FD77}"/>
-              </a:ext>
-            </a:extLst>
-          </p:cNvPr>
-          <p:cNvPicPr>
-            <a:picLocks noChangeAspect="1"/>
-          </p:cNvPicPr>
-          <p:nvPr/>
-        </p:nvPicPr>
-        <p:blipFill rotWithShape="1">
-          <a:blip r:embed="rId3"/>
-          <a:srcRect l="38765" r="17298"/>
-          <a:stretch/>
-        </p:blipFill>
-        <p:spPr>
-          <a:xfrm>
-            <a:off x="0" y="8561632"/>
-            <a:ext cx="3428503" cy="7135567"/>
+            <a:off x="265" y="0"/>
+            <a:ext cx="14399683" cy="21599525"/>
           </a:xfrm>
           <a:prstGeom prst="rect">
             <a:avLst/>
@@ -3174,10 +3168,10 @@
       </p:pic>
       <p:grpSp>
         <p:nvGrpSpPr>
-          <p:cNvPr id="53" name="Group 52">
+          <p:cNvPr id="2" name="Group 1">
             <a:extLst>
               <a:ext uri="{FF2B5EF4-FFF2-40B4-BE49-F238E27FC236}">
-                <a16:creationId xmlns:a16="http://schemas.microsoft.com/office/drawing/2014/main" id="{DD3D60E5-265F-4787-ADE6-082997AD4790}"/>
+                <a16:creationId xmlns:a16="http://schemas.microsoft.com/office/drawing/2014/main" id="{24C992EE-29D6-4FE1-A3FA-4FFB8CFFB5C1}"/>
               </a:ext>
             </a:extLst>
           </p:cNvPr>
@@ -3186,147 +3180,155 @@
         </p:nvGrpSpPr>
         <p:grpSpPr>
           <a:xfrm>
-            <a:off x="67829" y="6269784"/>
-            <a:ext cx="3910933" cy="12019129"/>
-            <a:chOff x="31711" y="3004205"/>
-            <a:chExt cx="1828416" cy="5619112"/>
+            <a:off x="0" y="6269784"/>
+            <a:ext cx="3978762" cy="12019129"/>
+            <a:chOff x="0" y="6269784"/>
+            <a:chExt cx="3978762" cy="12019129"/>
           </a:xfrm>
         </p:grpSpPr>
-        <p:grpSp>
-          <p:nvGrpSpPr>
-            <p:cNvPr id="19" name="Group 18">
+        <p:pic>
+          <p:nvPicPr>
+            <p:cNvPr id="57" name="Picture 56">
               <a:extLst>
                 <a:ext uri="{FF2B5EF4-FFF2-40B4-BE49-F238E27FC236}">
-                  <a16:creationId xmlns:a16="http://schemas.microsoft.com/office/drawing/2014/main" id="{27223F94-AD2F-4459-8835-F2DE51A411E1}"/>
+                  <a16:creationId xmlns:a16="http://schemas.microsoft.com/office/drawing/2014/main" id="{D5781B36-9FDA-460D-A5AF-1C576CC4FD77}"/>
                 </a:ext>
               </a:extLst>
             </p:cNvPr>
-            <p:cNvGrpSpPr/>
+            <p:cNvPicPr>
+              <a:picLocks noChangeAspect="1"/>
+            </p:cNvPicPr>
             <p:nvPr/>
-          </p:nvGrpSpPr>
-          <p:grpSpPr>
+          </p:nvPicPr>
+          <p:blipFill rotWithShape="1">
+            <a:blip r:embed="rId3"/>
+            <a:srcRect l="38765" r="17298"/>
+            <a:stretch/>
+          </p:blipFill>
+          <p:spPr>
             <a:xfrm>
-              <a:off x="379425" y="4590299"/>
-              <a:ext cx="1480702" cy="2736913"/>
-              <a:chOff x="379425" y="2418600"/>
-              <a:chExt cx="1480702" cy="2736913"/>
+              <a:off x="0" y="8561632"/>
+              <a:ext cx="3428503" cy="7135567"/>
             </a:xfrm>
-          </p:grpSpPr>
-          <p:sp>
-            <p:nvSpPr>
-              <p:cNvPr id="10" name="Rectangle 9">
-                <a:extLst>
-                  <a:ext uri="{FF2B5EF4-FFF2-40B4-BE49-F238E27FC236}">
-                    <a16:creationId xmlns:a16="http://schemas.microsoft.com/office/drawing/2014/main" id="{39D3D655-C123-41AF-A011-907BBDBCA50B}"/>
-                  </a:ext>
-                </a:extLst>
-              </p:cNvPr>
-              <p:cNvSpPr/>
-              <p:nvPr/>
-            </p:nvSpPr>
-            <p:spPr>
-              <a:xfrm>
-                <a:off x="1155277" y="2418600"/>
-                <a:ext cx="704850" cy="257175"/>
-              </a:xfrm>
-              <a:prstGeom prst="rect">
+            <a:prstGeom prst="rect">
+              <a:avLst/>
+            </a:prstGeom>
+          </p:spPr>
+        </p:pic>
+        <p:sp>
+          <p:nvSpPr>
+            <p:cNvPr id="10" name="Rectangle 9">
+              <a:extLst>
+                <a:ext uri="{FF2B5EF4-FFF2-40B4-BE49-F238E27FC236}">
+                  <a16:creationId xmlns:a16="http://schemas.microsoft.com/office/drawing/2014/main" id="{39D3D655-C123-41AF-A011-907BBDBCA50B}"/>
+                </a:ext>
+              </a:extLst>
+            </p:cNvPr>
+            <p:cNvSpPr/>
+            <p:nvPr/>
+          </p:nvSpPr>
+          <p:spPr>
+            <a:xfrm>
+              <a:off x="2471107" y="9662396"/>
+              <a:ext cx="1507655" cy="550090"/>
+            </a:xfrm>
+            <a:prstGeom prst="rect">
+              <a:avLst/>
+            </a:prstGeom>
+            <a:solidFill>
+              <a:schemeClr val="bg1"/>
+            </a:solidFill>
+            <a:ln>
+              <a:noFill/>
+            </a:ln>
+          </p:spPr>
+          <p:style>
+            <a:lnRef idx="2">
+              <a:schemeClr val="accent1">
+                <a:shade val="50000"/>
+              </a:schemeClr>
+            </a:lnRef>
+            <a:fillRef idx="1">
+              <a:schemeClr val="accent1"/>
+            </a:fillRef>
+            <a:effectRef idx="0">
+              <a:schemeClr val="accent1"/>
+            </a:effectRef>
+            <a:fontRef idx="minor">
+              <a:schemeClr val="lt1"/>
+            </a:fontRef>
+          </p:style>
+          <p:txBody>
+            <a:bodyPr rot="0" spcFirstLastPara="0" vertOverflow="overflow" horzOverflow="overflow" vert="horz" wrap="square" lIns="177234" tIns="88616" rIns="177234" bIns="88616" numCol="1" spcCol="0" rtlCol="0" fromWordArt="0" anchor="ctr" anchorCtr="0" forceAA="0" compatLnSpc="1">
+              <a:prstTxWarp prst="textNoShape">
                 <a:avLst/>
-              </a:prstGeom>
-              <a:solidFill>
-                <a:schemeClr val="bg1"/>
-              </a:solidFill>
-              <a:ln>
-                <a:noFill/>
-              </a:ln>
-            </p:spPr>
-            <p:style>
-              <a:lnRef idx="2">
-                <a:schemeClr val="accent1">
-                  <a:shade val="50000"/>
-                </a:schemeClr>
-              </a:lnRef>
-              <a:fillRef idx="1">
-                <a:schemeClr val="accent1"/>
-              </a:fillRef>
-              <a:effectRef idx="0">
-                <a:schemeClr val="accent1"/>
-              </a:effectRef>
-              <a:fontRef idx="minor">
-                <a:schemeClr val="lt1"/>
-              </a:fontRef>
-            </p:style>
-            <p:txBody>
-              <a:bodyPr rot="0" spcFirstLastPara="0" vertOverflow="overflow" horzOverflow="overflow" vert="horz" wrap="square" lIns="177234" tIns="88616" rIns="177234" bIns="88616" numCol="1" spcCol="0" rtlCol="0" fromWordArt="0" anchor="ctr" anchorCtr="0" forceAA="0" compatLnSpc="1">
-                <a:prstTxWarp prst="textNoShape">
-                  <a:avLst/>
-                </a:prstTxWarp>
-                <a:noAutofit/>
-              </a:bodyPr>
-              <a:lstStyle/>
-              <a:p>
-                <a:pPr algn="ctr"/>
-                <a:endParaRPr lang="en-GB" sz="4400"/>
-              </a:p>
-            </p:txBody>
-          </p:sp>
-          <p:sp>
-            <p:nvSpPr>
-              <p:cNvPr id="18" name="Rectangle 17">
-                <a:extLst>
-                  <a:ext uri="{FF2B5EF4-FFF2-40B4-BE49-F238E27FC236}">
-                    <a16:creationId xmlns:a16="http://schemas.microsoft.com/office/drawing/2014/main" id="{6CC30233-7D45-4A18-AAC8-46295E8CAA91}"/>
-                  </a:ext>
-                </a:extLst>
-              </p:cNvPr>
-              <p:cNvSpPr/>
-              <p:nvPr/>
-            </p:nvSpPr>
-            <p:spPr>
-              <a:xfrm>
-                <a:off x="379425" y="4898338"/>
-                <a:ext cx="704850" cy="257175"/>
-              </a:xfrm>
-              <a:prstGeom prst="rect">
+              </a:prstTxWarp>
+              <a:noAutofit/>
+            </a:bodyPr>
+            <a:lstStyle/>
+            <a:p>
+              <a:pPr algn="ctr"/>
+              <a:endParaRPr lang="en-GB" sz="4400"/>
+            </a:p>
+          </p:txBody>
+        </p:sp>
+        <p:sp>
+          <p:nvSpPr>
+            <p:cNvPr id="18" name="Rectangle 17">
+              <a:extLst>
+                <a:ext uri="{FF2B5EF4-FFF2-40B4-BE49-F238E27FC236}">
+                  <a16:creationId xmlns:a16="http://schemas.microsoft.com/office/drawing/2014/main" id="{6CC30233-7D45-4A18-AAC8-46295E8CAA91}"/>
+                </a:ext>
+              </a:extLst>
+            </p:cNvPr>
+            <p:cNvSpPr/>
+            <p:nvPr/>
+          </p:nvSpPr>
+          <p:spPr>
+            <a:xfrm>
+              <a:off x="811580" y="14966489"/>
+              <a:ext cx="1507655" cy="550090"/>
+            </a:xfrm>
+            <a:prstGeom prst="rect">
+              <a:avLst/>
+            </a:prstGeom>
+            <a:solidFill>
+              <a:schemeClr val="bg1"/>
+            </a:solidFill>
+            <a:ln>
+              <a:noFill/>
+            </a:ln>
+          </p:spPr>
+          <p:style>
+            <a:lnRef idx="2">
+              <a:schemeClr val="accent1">
+                <a:shade val="50000"/>
+              </a:schemeClr>
+            </a:lnRef>
+            <a:fillRef idx="1">
+              <a:schemeClr val="accent1"/>
+            </a:fillRef>
+            <a:effectRef idx="0">
+              <a:schemeClr val="accent1"/>
+            </a:effectRef>
+            <a:fontRef idx="minor">
+              <a:schemeClr val="lt1"/>
+            </a:fontRef>
+          </p:style>
+          <p:txBody>
+            <a:bodyPr rot="0" spcFirstLastPara="0" vertOverflow="overflow" horzOverflow="overflow" vert="horz" wrap="square" lIns="177234" tIns="88616" rIns="177234" bIns="88616" numCol="1" spcCol="0" rtlCol="0" fromWordArt="0" anchor="ctr" anchorCtr="0" forceAA="0" compatLnSpc="1">
+              <a:prstTxWarp prst="textNoShape">
                 <a:avLst/>
-              </a:prstGeom>
-              <a:solidFill>
-                <a:schemeClr val="bg1"/>
-              </a:solidFill>
-              <a:ln>
-                <a:noFill/>
-              </a:ln>
-            </p:spPr>
-            <p:style>
-              <a:lnRef idx="2">
-                <a:schemeClr val="accent1">
-                  <a:shade val="50000"/>
-                </a:schemeClr>
-              </a:lnRef>
-              <a:fillRef idx="1">
-                <a:schemeClr val="accent1"/>
-              </a:fillRef>
-              <a:effectRef idx="0">
-                <a:schemeClr val="accent1"/>
-              </a:effectRef>
-              <a:fontRef idx="minor">
-                <a:schemeClr val="lt1"/>
-              </a:fontRef>
-            </p:style>
-            <p:txBody>
-              <a:bodyPr rot="0" spcFirstLastPara="0" vertOverflow="overflow" horzOverflow="overflow" vert="horz" wrap="square" lIns="177234" tIns="88616" rIns="177234" bIns="88616" numCol="1" spcCol="0" rtlCol="0" fromWordArt="0" anchor="ctr" anchorCtr="0" forceAA="0" compatLnSpc="1">
-                <a:prstTxWarp prst="textNoShape">
-                  <a:avLst/>
-                </a:prstTxWarp>
-                <a:noAutofit/>
-              </a:bodyPr>
-              <a:lstStyle/>
-              <a:p>
-                <a:pPr algn="ctr"/>
-                <a:endParaRPr lang="en-GB" sz="4400"/>
-              </a:p>
-            </p:txBody>
-          </p:sp>
-        </p:grpSp>
+              </a:prstTxWarp>
+              <a:noAutofit/>
+            </a:bodyPr>
+            <a:lstStyle/>
+            <a:p>
+              <a:pPr algn="ctr"/>
+              <a:endParaRPr lang="en-GB" sz="4400"/>
+            </a:p>
+          </p:txBody>
+        </p:sp>
         <p:sp>
           <p:nvSpPr>
             <p:cNvPr id="15" name="TextBox 14">
@@ -3341,8 +3343,8 @@
           </p:nvSpPr>
           <p:spPr>
             <a:xfrm>
-              <a:off x="31711" y="3004205"/>
-              <a:ext cx="1571162" cy="690672"/>
+              <a:off x="67829" y="6269784"/>
+              <a:ext cx="3360674" cy="1477329"/>
             </a:xfrm>
             <a:prstGeom prst="rect">
               <a:avLst/>
@@ -3487,8 +3489,8 @@
           </p:nvSpPr>
           <p:spPr>
             <a:xfrm rot="277298">
-              <a:off x="202127" y="6299179"/>
-              <a:ext cx="354596" cy="971549"/>
+              <a:off x="432344" y="13317645"/>
+              <a:ext cx="758471" cy="2078117"/>
             </a:xfrm>
             <a:prstGeom prst="rect">
               <a:avLst/>
@@ -3544,8 +3546,8 @@
           </p:nvSpPr>
           <p:spPr>
             <a:xfrm rot="10623083">
-              <a:off x="217914" y="6002357"/>
-              <a:ext cx="1260449" cy="1173128"/>
+              <a:off x="466112" y="12682750"/>
+              <a:ext cx="2696067" cy="2509289"/>
             </a:xfrm>
             <a:custGeom>
               <a:avLst/>
@@ -3800,8 +3802,8 @@
           </p:nvCxnSpPr>
           <p:spPr>
             <a:xfrm flipH="1">
-              <a:off x="817292" y="3744303"/>
-              <a:ext cx="211862" cy="882301"/>
+              <a:off x="1748166" y="7852834"/>
+              <a:ext cx="453167" cy="1887218"/>
             </a:xfrm>
             <a:prstGeom prst="line">
               <a:avLst/>
@@ -3843,8 +3845,8 @@
           </p:nvSpPr>
           <p:spPr>
             <a:xfrm>
-              <a:off x="448264" y="6767137"/>
-              <a:ext cx="1318737" cy="1856180"/>
+              <a:off x="958825" y="14318594"/>
+              <a:ext cx="2820743" cy="3970319"/>
             </a:xfrm>
             <a:prstGeom prst="rect">
               <a:avLst/>
@@ -4158,8 +4160,8 @@
           </p:nvCxnSpPr>
           <p:spPr>
             <a:xfrm>
-              <a:off x="503820" y="6239916"/>
-              <a:ext cx="313472" cy="471141"/>
+              <a:off x="1077658" y="13190883"/>
+              <a:ext cx="670508" cy="1007758"/>
             </a:xfrm>
             <a:prstGeom prst="line">
               <a:avLst/>

--- a/consumption_production_2016.pptx
+++ b/consumption_production_2016.pptx
@@ -115,7 +115,7 @@
 <file path=ppt/revisionInfo.xml><?xml version="1.0" encoding="utf-8"?>
 <p1510:revInfo xmlns:a="http://schemas.openxmlformats.org/drawingml/2006/main" xmlns:r="http://schemas.openxmlformats.org/officeDocument/2006/relationships" xmlns:p1510="http://schemas.microsoft.com/office/powerpoint/2015/10/main">
   <p1510:revLst>
-    <p1510:client id="{5A130347-CC42-49D2-8417-ED4FEE9D3E24}" v="12" dt="2018-10-24T22:40:01.507"/>
+    <p1510:client id="{5A130347-CC42-49D2-8417-ED4FEE9D3E24}" v="13" dt="2018-10-24T23:12:44.067"/>
   </p1510:revLst>
 </p1510:revInfo>
 </file>
@@ -125,12 +125,12 @@
   <pc:docChgLst>
     <pc:chgData name="Bence Kiss-Dobronyi" userId="115a7707-7158-443d-81e6-1600ef413af9" providerId="ADAL" clId="{5A130347-CC42-49D2-8417-ED4FEE9D3E24}"/>
     <pc:docChg chg="undo custSel modSld">
-      <pc:chgData name="Bence Kiss-Dobronyi" userId="115a7707-7158-443d-81e6-1600ef413af9" providerId="ADAL" clId="{5A130347-CC42-49D2-8417-ED4FEE9D3E24}" dt="2018-10-24T22:40:01.507" v="95" actId="13244"/>
+      <pc:chgData name="Bence Kiss-Dobronyi" userId="115a7707-7158-443d-81e6-1600ef413af9" providerId="ADAL" clId="{5A130347-CC42-49D2-8417-ED4FEE9D3E24}" dt="2018-10-24T23:13:48.767" v="107" actId="1076"/>
       <pc:docMkLst>
         <pc:docMk/>
       </pc:docMkLst>
       <pc:sldChg chg="addSp delSp modSp">
-        <pc:chgData name="Bence Kiss-Dobronyi" userId="115a7707-7158-443d-81e6-1600ef413af9" providerId="ADAL" clId="{5A130347-CC42-49D2-8417-ED4FEE9D3E24}" dt="2018-10-24T22:40:01.507" v="95" actId="13244"/>
+        <pc:chgData name="Bence Kiss-Dobronyi" userId="115a7707-7158-443d-81e6-1600ef413af9" providerId="ADAL" clId="{5A130347-CC42-49D2-8417-ED4FEE9D3E24}" dt="2018-10-24T23:13:48.767" v="107" actId="1076"/>
         <pc:sldMkLst>
           <pc:docMk/>
           <pc:sldMk cId="3479386836" sldId="256"/>
@@ -215,8 +215,8 @@
             <ac:grpSpMk id="53" creationId="{DD3D60E5-265F-4787-ADE6-082997AD4790}"/>
           </ac:grpSpMkLst>
         </pc:grpChg>
-        <pc:picChg chg="add mod">
-          <ac:chgData name="Bence Kiss-Dobronyi" userId="115a7707-7158-443d-81e6-1600ef413af9" providerId="ADAL" clId="{5A130347-CC42-49D2-8417-ED4FEE9D3E24}" dt="2018-10-24T22:40:01.507" v="95" actId="13244"/>
+        <pc:picChg chg="add mod modCrop">
+          <ac:chgData name="Bence Kiss-Dobronyi" userId="115a7707-7158-443d-81e6-1600ef413af9" providerId="ADAL" clId="{5A130347-CC42-49D2-8417-ED4FEE9D3E24}" dt="2018-10-24T23:13:06.309" v="99" actId="732"/>
           <ac:picMkLst>
             <pc:docMk/>
             <pc:sldMk cId="3479386836" sldId="256"/>
@@ -237,6 +237,14 @@
             <pc:docMk/>
             <pc:sldMk cId="3479386836" sldId="256"/>
             <ac:picMk id="9" creationId="{C24645D8-EE31-48EC-A557-1EBA2CEF4AD5}"/>
+          </ac:picMkLst>
+        </pc:picChg>
+        <pc:picChg chg="add mod modCrop">
+          <ac:chgData name="Bence Kiss-Dobronyi" userId="115a7707-7158-443d-81e6-1600ef413af9" providerId="ADAL" clId="{5A130347-CC42-49D2-8417-ED4FEE9D3E24}" dt="2018-10-24T23:13:48.767" v="107" actId="1076"/>
+          <ac:picMkLst>
+            <pc:docMk/>
+            <pc:sldMk cId="3479386836" sldId="256"/>
+            <ac:picMk id="14" creationId="{B0535980-7433-4710-8713-CF0527D74D2E}"/>
           </ac:picMkLst>
         </pc:picChg>
         <pc:picChg chg="add del mod ord">
@@ -3150,16 +3158,15 @@
           </p:cNvPicPr>
           <p:nvPr/>
         </p:nvPicPr>
-        <p:blipFill>
+        <p:blipFill rotWithShape="1">
           <a:blip r:embed="rId2"/>
-          <a:stretch>
-            <a:fillRect/>
-          </a:stretch>
+          <a:srcRect b="7099"/>
+          <a:stretch/>
         </p:blipFill>
         <p:spPr>
           <a:xfrm>
-            <a:off x="265" y="0"/>
-            <a:ext cx="14399683" cy="21599525"/>
+            <a:off x="265" y="1"/>
+            <a:ext cx="14399683" cy="20066000"/>
           </a:xfrm>
           <a:prstGeom prst="rect">
             <a:avLst/>
@@ -4190,6 +4197,35 @@
           </p:style>
         </p:cxnSp>
       </p:grpSp>
+      <p:pic>
+        <p:nvPicPr>
+          <p:cNvPr id="14" name="Picture 13">
+            <a:extLst>
+              <a:ext uri="{FF2B5EF4-FFF2-40B4-BE49-F238E27FC236}">
+                <a16:creationId xmlns:a16="http://schemas.microsoft.com/office/drawing/2014/main" id="{B0535980-7433-4710-8713-CF0527D74D2E}"/>
+              </a:ext>
+            </a:extLst>
+          </p:cNvPr>
+          <p:cNvPicPr>
+            <a:picLocks noChangeAspect="1"/>
+          </p:cNvPicPr>
+          <p:nvPr/>
+        </p:nvPicPr>
+        <p:blipFill rotWithShape="1">
+          <a:blip r:embed="rId2"/>
+          <a:srcRect l="19313" t="92592" b="2564"/>
+          <a:stretch/>
+        </p:blipFill>
+        <p:spPr>
+          <a:xfrm>
+            <a:off x="3224934" y="20323969"/>
+            <a:ext cx="10011997" cy="901659"/>
+          </a:xfrm>
+          <a:prstGeom prst="rect">
+            <a:avLst/>
+          </a:prstGeom>
+        </p:spPr>
+      </p:pic>
     </p:spTree>
     <p:extLst>
       <p:ext uri="{BB962C8B-B14F-4D97-AF65-F5344CB8AC3E}">
